--- a/figs/statinsf1_test.pptx
+++ b/figs/statinsf1_test.pptx
@@ -2,12 +2,12 @@
 <file path=ppt/presentation.xml><?xml version="1.0" encoding="utf-8"?>
 <p:presentation xmlns:a="http://schemas.openxmlformats.org/drawingml/2006/main" xmlns:r="http://schemas.openxmlformats.org/officeDocument/2006/relationships" xmlns:p="http://schemas.openxmlformats.org/presentationml/2006/main" saveSubsetFonts="1">
   <p:sldMasterIdLst>
-    <p:sldMasterId id="2147483720" r:id="rId1"/>
+    <p:sldMasterId id="2147483732" r:id="rId1"/>
   </p:sldMasterIdLst>
   <p:sldIdLst>
     <p:sldId id="256" r:id="rId2"/>
   </p:sldIdLst>
-  <p:sldSz cx="7497763" cy="4297363"/>
+  <p:sldSz cx="7497763" cy="5943600"/>
   <p:notesSz cx="6858000" cy="9144000"/>
   <p:defaultTextStyle>
     <a:defPPr>
@@ -104,13 +104,18 @@
       </a:defRPr>
     </a:lvl9pPr>
   </p:defaultTextStyle>
+  <p:extLst>
+    <p:ext uri="{EFAFB233-063F-42B5-8137-9DF3F51BA10A}">
+      <p15:sldGuideLst xmlns:p15="http://schemas.microsoft.com/office/powerpoint/2012/main"/>
+    </p:ext>
+  </p:extLst>
 </p:presentation>
 </file>
 
 <file path=ppt/revisionInfo.xml><?xml version="1.0" encoding="utf-8"?>
 <p1510:revInfo xmlns:a="http://schemas.openxmlformats.org/drawingml/2006/main" xmlns:r="http://schemas.openxmlformats.org/officeDocument/2006/relationships" xmlns:p1510="http://schemas.microsoft.com/office/powerpoint/2015/10/main">
   <p1510:revLst>
-    <p1510:client id="{F2356F88-D4D0-41EE-A6CB-92CBDFC23A40}" v="16" dt="2021-11-27T21:14:53.355"/>
+    <p1510:client id="{F2356F88-D4D0-41EE-A6CB-92CBDFC23A40}" v="20" dt="2021-11-30T00:53:13.059"/>
   </p1510:revLst>
 </p1510:revInfo>
 </file>
@@ -120,18 +125,18 @@
   <pc:docChgLst>
     <pc:chgData name="Paloma Rojas Saunero" userId="4877c03b8c303747" providerId="LiveId" clId="{F2356F88-D4D0-41EE-A6CB-92CBDFC23A40}"/>
     <pc:docChg chg="modSld modMainMaster">
-      <pc:chgData name="Paloma Rojas Saunero" userId="4877c03b8c303747" providerId="LiveId" clId="{F2356F88-D4D0-41EE-A6CB-92CBDFC23A40}" dt="2021-11-27T21:14:53.355" v="8" actId="1035"/>
+      <pc:chgData name="Paloma Rojas Saunero" userId="4877c03b8c303747" providerId="LiveId" clId="{F2356F88-D4D0-41EE-A6CB-92CBDFC23A40}" dt="2021-11-30T00:53:22.582" v="44" actId="1036"/>
       <pc:docMkLst>
         <pc:docMk/>
       </pc:docMkLst>
-      <pc:sldChg chg="modSp">
-        <pc:chgData name="Paloma Rojas Saunero" userId="4877c03b8c303747" providerId="LiveId" clId="{F2356F88-D4D0-41EE-A6CB-92CBDFC23A40}" dt="2021-11-27T21:14:53.355" v="8" actId="1035"/>
+      <pc:sldChg chg="delSp modSp mod">
+        <pc:chgData name="Paloma Rojas Saunero" userId="4877c03b8c303747" providerId="LiveId" clId="{F2356F88-D4D0-41EE-A6CB-92CBDFC23A40}" dt="2021-11-30T00:53:22.582" v="44" actId="1036"/>
         <pc:sldMkLst>
           <pc:docMk/>
           <pc:sldMk cId="2860529466" sldId="256"/>
         </pc:sldMkLst>
         <pc:spChg chg="mod">
-          <ac:chgData name="Paloma Rojas Saunero" userId="4877c03b8c303747" providerId="LiveId" clId="{F2356F88-D4D0-41EE-A6CB-92CBDFC23A40}" dt="2021-11-27T21:14:53.355" v="8" actId="1035"/>
+          <ac:chgData name="Paloma Rojas Saunero" userId="4877c03b8c303747" providerId="LiveId" clId="{F2356F88-D4D0-41EE-A6CB-92CBDFC23A40}" dt="2021-11-30T00:53:22.582" v="44" actId="1036"/>
           <ac:spMkLst>
             <pc:docMk/>
             <pc:sldMk cId="2860529466" sldId="256"/>
@@ -139,7 +144,7 @@
           </ac:spMkLst>
         </pc:spChg>
         <pc:spChg chg="mod">
-          <ac:chgData name="Paloma Rojas Saunero" userId="4877c03b8c303747" providerId="LiveId" clId="{F2356F88-D4D0-41EE-A6CB-92CBDFC23A40}" dt="2021-11-27T21:14:53.355" v="8" actId="1035"/>
+          <ac:chgData name="Paloma Rojas Saunero" userId="4877c03b8c303747" providerId="LiveId" clId="{F2356F88-D4D0-41EE-A6CB-92CBDFC23A40}" dt="2021-11-30T00:53:22.582" v="44" actId="1036"/>
           <ac:spMkLst>
             <pc:docMk/>
             <pc:sldMk cId="2860529466" sldId="256"/>
@@ -147,7 +152,7 @@
           </ac:spMkLst>
         </pc:spChg>
         <pc:spChg chg="mod">
-          <ac:chgData name="Paloma Rojas Saunero" userId="4877c03b8c303747" providerId="LiveId" clId="{F2356F88-D4D0-41EE-A6CB-92CBDFC23A40}" dt="2021-11-27T21:14:53.355" v="8" actId="1035"/>
+          <ac:chgData name="Paloma Rojas Saunero" userId="4877c03b8c303747" providerId="LiveId" clId="{F2356F88-D4D0-41EE-A6CB-92CBDFC23A40}" dt="2021-11-30T00:53:22.582" v="44" actId="1036"/>
           <ac:spMkLst>
             <pc:docMk/>
             <pc:sldMk cId="2860529466" sldId="256"/>
@@ -155,7 +160,7 @@
           </ac:spMkLst>
         </pc:spChg>
         <pc:spChg chg="mod">
-          <ac:chgData name="Paloma Rojas Saunero" userId="4877c03b8c303747" providerId="LiveId" clId="{F2356F88-D4D0-41EE-A6CB-92CBDFC23A40}" dt="2021-11-27T21:14:53.355" v="8" actId="1035"/>
+          <ac:chgData name="Paloma Rojas Saunero" userId="4877c03b8c303747" providerId="LiveId" clId="{F2356F88-D4D0-41EE-A6CB-92CBDFC23A40}" dt="2021-11-30T00:53:22.582" v="44" actId="1036"/>
           <ac:spMkLst>
             <pc:docMk/>
             <pc:sldMk cId="2860529466" sldId="256"/>
@@ -163,7 +168,7 @@
           </ac:spMkLst>
         </pc:spChg>
         <pc:spChg chg="mod">
-          <ac:chgData name="Paloma Rojas Saunero" userId="4877c03b8c303747" providerId="LiveId" clId="{F2356F88-D4D0-41EE-A6CB-92CBDFC23A40}" dt="2021-11-27T21:14:53.355" v="8" actId="1035"/>
+          <ac:chgData name="Paloma Rojas Saunero" userId="4877c03b8c303747" providerId="LiveId" clId="{F2356F88-D4D0-41EE-A6CB-92CBDFC23A40}" dt="2021-11-30T00:53:22.582" v="44" actId="1036"/>
           <ac:spMkLst>
             <pc:docMk/>
             <pc:sldMk cId="2860529466" sldId="256"/>
@@ -171,7 +176,7 @@
           </ac:spMkLst>
         </pc:spChg>
         <pc:spChg chg="mod">
-          <ac:chgData name="Paloma Rojas Saunero" userId="4877c03b8c303747" providerId="LiveId" clId="{F2356F88-D4D0-41EE-A6CB-92CBDFC23A40}" dt="2021-11-27T21:14:53.355" v="8" actId="1035"/>
+          <ac:chgData name="Paloma Rojas Saunero" userId="4877c03b8c303747" providerId="LiveId" clId="{F2356F88-D4D0-41EE-A6CB-92CBDFC23A40}" dt="2021-11-30T00:53:22.582" v="44" actId="1036"/>
           <ac:spMkLst>
             <pc:docMk/>
             <pc:sldMk cId="2860529466" sldId="256"/>
@@ -179,7 +184,7 @@
           </ac:spMkLst>
         </pc:spChg>
         <pc:spChg chg="mod">
-          <ac:chgData name="Paloma Rojas Saunero" userId="4877c03b8c303747" providerId="LiveId" clId="{F2356F88-D4D0-41EE-A6CB-92CBDFC23A40}" dt="2021-11-27T21:14:53.355" v="8" actId="1035"/>
+          <ac:chgData name="Paloma Rojas Saunero" userId="4877c03b8c303747" providerId="LiveId" clId="{F2356F88-D4D0-41EE-A6CB-92CBDFC23A40}" dt="2021-11-30T00:53:22.582" v="44" actId="1036"/>
           <ac:spMkLst>
             <pc:docMk/>
             <pc:sldMk cId="2860529466" sldId="256"/>
@@ -194,8 +199,8 @@
             <ac:spMk id="19" creationId="{3FD0E35A-D989-4BE9-8FC4-DB8C3CEAB245}"/>
           </ac:spMkLst>
         </pc:spChg>
-        <pc:spChg chg="mod">
-          <ac:chgData name="Paloma Rojas Saunero" userId="4877c03b8c303747" providerId="LiveId" clId="{F2356F88-D4D0-41EE-A6CB-92CBDFC23A40}" dt="2021-11-27T21:14:53.355" v="8" actId="1035"/>
+        <pc:spChg chg="del mod">
+          <ac:chgData name="Paloma Rojas Saunero" userId="4877c03b8c303747" providerId="LiveId" clId="{F2356F88-D4D0-41EE-A6CB-92CBDFC23A40}" dt="2021-11-30T00:53:13.059" v="11" actId="478"/>
           <ac:spMkLst>
             <pc:docMk/>
             <pc:sldMk cId="2860529466" sldId="256"/>
@@ -210,8 +215,8 @@
             <ac:spMk id="21" creationId="{421DF587-9054-4382-82CC-458BA4D32DB9}"/>
           </ac:spMkLst>
         </pc:spChg>
-        <pc:spChg chg="mod">
-          <ac:chgData name="Paloma Rojas Saunero" userId="4877c03b8c303747" providerId="LiveId" clId="{F2356F88-D4D0-41EE-A6CB-92CBDFC23A40}" dt="2021-11-27T21:14:53.355" v="8" actId="1035"/>
+        <pc:spChg chg="del mod">
+          <ac:chgData name="Paloma Rojas Saunero" userId="4877c03b8c303747" providerId="LiveId" clId="{F2356F88-D4D0-41EE-A6CB-92CBDFC23A40}" dt="2021-11-30T00:53:04.707" v="10" actId="478"/>
           <ac:spMkLst>
             <pc:docMk/>
             <pc:sldMk cId="2860529466" sldId="256"/>
@@ -219,7 +224,7 @@
           </ac:spMkLst>
         </pc:spChg>
         <pc:cxnChg chg="mod">
-          <ac:chgData name="Paloma Rojas Saunero" userId="4877c03b8c303747" providerId="LiveId" clId="{F2356F88-D4D0-41EE-A6CB-92CBDFC23A40}" dt="2021-11-27T21:14:53.355" v="8" actId="1035"/>
+          <ac:chgData name="Paloma Rojas Saunero" userId="4877c03b8c303747" providerId="LiveId" clId="{F2356F88-D4D0-41EE-A6CB-92CBDFC23A40}" dt="2021-11-30T00:53:22.582" v="44" actId="1036"/>
           <ac:cxnSpMkLst>
             <pc:docMk/>
             <pc:sldMk cId="2860529466" sldId="256"/>
@@ -227,7 +232,7 @@
           </ac:cxnSpMkLst>
         </pc:cxnChg>
         <pc:cxnChg chg="mod">
-          <ac:chgData name="Paloma Rojas Saunero" userId="4877c03b8c303747" providerId="LiveId" clId="{F2356F88-D4D0-41EE-A6CB-92CBDFC23A40}" dt="2021-11-27T21:14:53.355" v="8" actId="1035"/>
+          <ac:chgData name="Paloma Rojas Saunero" userId="4877c03b8c303747" providerId="LiveId" clId="{F2356F88-D4D0-41EE-A6CB-92CBDFC23A40}" dt="2021-11-30T00:53:22.582" v="44" actId="1036"/>
           <ac:cxnSpMkLst>
             <pc:docMk/>
             <pc:sldMk cId="2860529466" sldId="256"/>
@@ -235,7 +240,7 @@
           </ac:cxnSpMkLst>
         </pc:cxnChg>
         <pc:cxnChg chg="mod">
-          <ac:chgData name="Paloma Rojas Saunero" userId="4877c03b8c303747" providerId="LiveId" clId="{F2356F88-D4D0-41EE-A6CB-92CBDFC23A40}" dt="2021-11-27T21:14:53.355" v="8" actId="1035"/>
+          <ac:chgData name="Paloma Rojas Saunero" userId="4877c03b8c303747" providerId="LiveId" clId="{F2356F88-D4D0-41EE-A6CB-92CBDFC23A40}" dt="2021-11-30T00:53:22.582" v="44" actId="1036"/>
           <ac:cxnSpMkLst>
             <pc:docMk/>
             <pc:sldMk cId="2860529466" sldId="256"/>
@@ -243,7 +248,7 @@
           </ac:cxnSpMkLst>
         </pc:cxnChg>
         <pc:cxnChg chg="mod">
-          <ac:chgData name="Paloma Rojas Saunero" userId="4877c03b8c303747" providerId="LiveId" clId="{F2356F88-D4D0-41EE-A6CB-92CBDFC23A40}" dt="2021-11-27T21:14:53.355" v="8" actId="1035"/>
+          <ac:chgData name="Paloma Rojas Saunero" userId="4877c03b8c303747" providerId="LiveId" clId="{F2356F88-D4D0-41EE-A6CB-92CBDFC23A40}" dt="2021-11-30T00:53:22.582" v="44" actId="1036"/>
           <ac:cxnSpMkLst>
             <pc:docMk/>
             <pc:sldMk cId="2860529466" sldId="256"/>
@@ -251,7 +256,7 @@
           </ac:cxnSpMkLst>
         </pc:cxnChg>
         <pc:cxnChg chg="mod">
-          <ac:chgData name="Paloma Rojas Saunero" userId="4877c03b8c303747" providerId="LiveId" clId="{F2356F88-D4D0-41EE-A6CB-92CBDFC23A40}" dt="2021-11-27T21:14:53.355" v="8" actId="1035"/>
+          <ac:chgData name="Paloma Rojas Saunero" userId="4877c03b8c303747" providerId="LiveId" clId="{F2356F88-D4D0-41EE-A6CB-92CBDFC23A40}" dt="2021-11-30T00:53:22.582" v="44" actId="1036"/>
           <ac:cxnSpMkLst>
             <pc:docMk/>
             <pc:sldMk cId="2860529466" sldId="256"/>
@@ -259,7 +264,7 @@
           </ac:cxnSpMkLst>
         </pc:cxnChg>
         <pc:cxnChg chg="mod">
-          <ac:chgData name="Paloma Rojas Saunero" userId="4877c03b8c303747" providerId="LiveId" clId="{F2356F88-D4D0-41EE-A6CB-92CBDFC23A40}" dt="2021-11-27T21:14:53.355" v="8" actId="1035"/>
+          <ac:chgData name="Paloma Rojas Saunero" userId="4877c03b8c303747" providerId="LiveId" clId="{F2356F88-D4D0-41EE-A6CB-92CBDFC23A40}" dt="2021-11-30T00:53:22.582" v="44" actId="1036"/>
           <ac:cxnSpMkLst>
             <pc:docMk/>
             <pc:sldMk cId="2860529466" sldId="256"/>
@@ -267,7 +272,7 @@
           </ac:cxnSpMkLst>
         </pc:cxnChg>
         <pc:cxnChg chg="mod">
-          <ac:chgData name="Paloma Rojas Saunero" userId="4877c03b8c303747" providerId="LiveId" clId="{F2356F88-D4D0-41EE-A6CB-92CBDFC23A40}" dt="2021-11-27T21:14:53.355" v="8" actId="1035"/>
+          <ac:chgData name="Paloma Rojas Saunero" userId="4877c03b8c303747" providerId="LiveId" clId="{F2356F88-D4D0-41EE-A6CB-92CBDFC23A40}" dt="2021-11-30T00:53:22.582" v="44" actId="1036"/>
           <ac:cxnSpMkLst>
             <pc:docMk/>
             <pc:sldMk cId="2860529466" sldId="256"/>
@@ -275,7 +280,7 @@
           </ac:cxnSpMkLst>
         </pc:cxnChg>
         <pc:cxnChg chg="mod">
-          <ac:chgData name="Paloma Rojas Saunero" userId="4877c03b8c303747" providerId="LiveId" clId="{F2356F88-D4D0-41EE-A6CB-92CBDFC23A40}" dt="2021-11-27T21:14:53.355" v="8" actId="1035"/>
+          <ac:chgData name="Paloma Rojas Saunero" userId="4877c03b8c303747" providerId="LiveId" clId="{F2356F88-D4D0-41EE-A6CB-92CBDFC23A40}" dt="2021-11-30T00:53:22.582" v="44" actId="1036"/>
           <ac:cxnSpMkLst>
             <pc:docMk/>
             <pc:sldMk cId="2860529466" sldId="256"/>
@@ -591,15 +596,15 @@
         </p:nvSpPr>
         <p:spPr>
           <a:xfrm>
-            <a:off x="937221" y="703296"/>
-            <a:ext cx="5623322" cy="1496119"/>
+            <a:off x="562332" y="972715"/>
+            <a:ext cx="6373099" cy="2069253"/>
           </a:xfrm>
         </p:spPr>
         <p:txBody>
           <a:bodyPr anchor="b"/>
           <a:lstStyle>
             <a:lvl1pPr algn="ctr">
-              <a:defRPr sz="3690"/>
+              <a:defRPr sz="4920"/>
             </a:lvl1pPr>
           </a:lstStyle>
           <a:p>
@@ -623,8 +628,8 @@
         </p:nvSpPr>
         <p:spPr>
           <a:xfrm>
-            <a:off x="937221" y="2257111"/>
-            <a:ext cx="5623322" cy="1037534"/>
+            <a:off x="937221" y="3121766"/>
+            <a:ext cx="5623322" cy="1434994"/>
           </a:xfrm>
         </p:spPr>
         <p:txBody>
@@ -632,39 +637,39 @@
           <a:lstStyle>
             <a:lvl1pPr marL="0" indent="0" algn="ctr">
               <a:buNone/>
+              <a:defRPr sz="1968"/>
+            </a:lvl1pPr>
+            <a:lvl2pPr marL="374904" indent="0" algn="ctr">
+              <a:buNone/>
+              <a:defRPr sz="1640"/>
+            </a:lvl2pPr>
+            <a:lvl3pPr marL="749808" indent="0" algn="ctr">
+              <a:buNone/>
               <a:defRPr sz="1476"/>
-            </a:lvl1pPr>
-            <a:lvl2pPr marL="281178" indent="0" algn="ctr">
-              <a:buNone/>
-              <a:defRPr sz="1230"/>
-            </a:lvl2pPr>
-            <a:lvl3pPr marL="562356" indent="0" algn="ctr">
-              <a:buNone/>
-              <a:defRPr sz="1107"/>
             </a:lvl3pPr>
-            <a:lvl4pPr marL="843534" indent="0" algn="ctr">
-              <a:buNone/>
-              <a:defRPr sz="984"/>
+            <a:lvl4pPr marL="1124712" indent="0" algn="ctr">
+              <a:buNone/>
+              <a:defRPr sz="1312"/>
             </a:lvl4pPr>
-            <a:lvl5pPr marL="1124712" indent="0" algn="ctr">
-              <a:buNone/>
-              <a:defRPr sz="984"/>
+            <a:lvl5pPr marL="1499616" indent="0" algn="ctr">
+              <a:buNone/>
+              <a:defRPr sz="1312"/>
             </a:lvl5pPr>
-            <a:lvl6pPr marL="1405890" indent="0" algn="ctr">
-              <a:buNone/>
-              <a:defRPr sz="984"/>
+            <a:lvl6pPr marL="1874520" indent="0" algn="ctr">
+              <a:buNone/>
+              <a:defRPr sz="1312"/>
             </a:lvl6pPr>
-            <a:lvl7pPr marL="1687068" indent="0" algn="ctr">
-              <a:buNone/>
-              <a:defRPr sz="984"/>
+            <a:lvl7pPr marL="2249424" indent="0" algn="ctr">
+              <a:buNone/>
+              <a:defRPr sz="1312"/>
             </a:lvl7pPr>
-            <a:lvl8pPr marL="1968246" indent="0" algn="ctr">
-              <a:buNone/>
-              <a:defRPr sz="984"/>
+            <a:lvl8pPr marL="2624328" indent="0" algn="ctr">
+              <a:buNone/>
+              <a:defRPr sz="1312"/>
             </a:lvl8pPr>
-            <a:lvl9pPr marL="2249424" indent="0" algn="ctr">
-              <a:buNone/>
-              <a:defRPr sz="984"/>
+            <a:lvl9pPr marL="2999232" indent="0" algn="ctr">
+              <a:buNone/>
+              <a:defRPr sz="1312"/>
             </a:lvl9pPr>
           </a:lstStyle>
           <a:p>
@@ -693,7 +698,7 @@
           <a:p>
             <a:fld id="{D18DE065-5BB9-48CE-AC02-30F45FF4AD2D}" type="datetimeFigureOut">
               <a:rPr lang="LID4096" smtClean="0"/>
-              <a:t>11/27/2021</a:t>
+              <a:t>11/30/2021</a:t>
             </a:fld>
             <a:endParaRPr lang="LID4096"/>
           </a:p>
@@ -744,7 +749,7 @@
     </p:spTree>
     <p:extLst>
       <p:ext uri="{BB962C8B-B14F-4D97-AF65-F5344CB8AC3E}">
-        <p14:creationId xmlns:p14="http://schemas.microsoft.com/office/powerpoint/2010/main" val="3643314598"/>
+        <p14:creationId xmlns:p14="http://schemas.microsoft.com/office/powerpoint/2010/main" val="144702249"/>
       </p:ext>
     </p:extLst>
   </p:cSld>
@@ -863,7 +868,7 @@
           <a:p>
             <a:fld id="{D18DE065-5BB9-48CE-AC02-30F45FF4AD2D}" type="datetimeFigureOut">
               <a:rPr lang="LID4096" smtClean="0"/>
-              <a:t>11/27/2021</a:t>
+              <a:t>11/30/2021</a:t>
             </a:fld>
             <a:endParaRPr lang="LID4096"/>
           </a:p>
@@ -914,7 +919,7 @@
     </p:spTree>
     <p:extLst>
       <p:ext uri="{BB962C8B-B14F-4D97-AF65-F5344CB8AC3E}">
-        <p14:creationId xmlns:p14="http://schemas.microsoft.com/office/powerpoint/2010/main" val="4156223929"/>
+        <p14:creationId xmlns:p14="http://schemas.microsoft.com/office/powerpoint/2010/main" val="708827712"/>
       </p:ext>
     </p:extLst>
   </p:cSld>
@@ -953,8 +958,8 @@
         </p:nvSpPr>
         <p:spPr>
           <a:xfrm>
-            <a:off x="5365587" y="228795"/>
-            <a:ext cx="1616705" cy="3641817"/>
+            <a:off x="5365587" y="316442"/>
+            <a:ext cx="1616705" cy="5036926"/>
           </a:xfrm>
         </p:spPr>
         <p:txBody>
@@ -981,8 +986,8 @@
         </p:nvSpPr>
         <p:spPr>
           <a:xfrm>
-            <a:off x="515471" y="228795"/>
-            <a:ext cx="4756393" cy="3641817"/>
+            <a:off x="515472" y="316442"/>
+            <a:ext cx="4756393" cy="5036926"/>
           </a:xfrm>
         </p:spPr>
         <p:txBody>
@@ -1043,7 +1048,7 @@
           <a:p>
             <a:fld id="{D18DE065-5BB9-48CE-AC02-30F45FF4AD2D}" type="datetimeFigureOut">
               <a:rPr lang="LID4096" smtClean="0"/>
-              <a:t>11/27/2021</a:t>
+              <a:t>11/30/2021</a:t>
             </a:fld>
             <a:endParaRPr lang="LID4096"/>
           </a:p>
@@ -1094,7 +1099,7 @@
     </p:spTree>
     <p:extLst>
       <p:ext uri="{BB962C8B-B14F-4D97-AF65-F5344CB8AC3E}">
-        <p14:creationId xmlns:p14="http://schemas.microsoft.com/office/powerpoint/2010/main" val="1968663020"/>
+        <p14:creationId xmlns:p14="http://schemas.microsoft.com/office/powerpoint/2010/main" val="122197035"/>
       </p:ext>
     </p:extLst>
   </p:cSld>
@@ -1213,7 +1218,7 @@
           <a:p>
             <a:fld id="{D18DE065-5BB9-48CE-AC02-30F45FF4AD2D}" type="datetimeFigureOut">
               <a:rPr lang="LID4096" smtClean="0"/>
-              <a:t>11/27/2021</a:t>
+              <a:t>11/30/2021</a:t>
             </a:fld>
             <a:endParaRPr lang="LID4096"/>
           </a:p>
@@ -1264,7 +1269,7 @@
     </p:spTree>
     <p:extLst>
       <p:ext uri="{BB962C8B-B14F-4D97-AF65-F5344CB8AC3E}">
-        <p14:creationId xmlns:p14="http://schemas.microsoft.com/office/powerpoint/2010/main" val="3644485288"/>
+        <p14:creationId xmlns:p14="http://schemas.microsoft.com/office/powerpoint/2010/main" val="97845244"/>
       </p:ext>
     </p:extLst>
   </p:cSld>
@@ -1303,15 +1308,15 @@
         </p:nvSpPr>
         <p:spPr>
           <a:xfrm>
-            <a:off x="511566" y="1071357"/>
-            <a:ext cx="6466821" cy="1787583"/>
+            <a:off x="511566" y="1481774"/>
+            <a:ext cx="6466821" cy="2472372"/>
           </a:xfrm>
         </p:spPr>
         <p:txBody>
           <a:bodyPr anchor="b"/>
           <a:lstStyle>
             <a:lvl1pPr>
-              <a:defRPr sz="3690"/>
+              <a:defRPr sz="4920"/>
             </a:lvl1pPr>
           </a:lstStyle>
           <a:p>
@@ -1335,14 +1340,32 @@
         </p:nvSpPr>
         <p:spPr>
           <a:xfrm>
-            <a:off x="511566" y="2875852"/>
-            <a:ext cx="6466821" cy="940048"/>
+            <a:off x="511566" y="3977536"/>
+            <a:ext cx="6466821" cy="1300162"/>
           </a:xfrm>
         </p:spPr>
         <p:txBody>
           <a:bodyPr/>
           <a:lstStyle>
             <a:lvl1pPr marL="0" indent="0">
+              <a:buNone/>
+              <a:defRPr sz="1968">
+                <a:solidFill>
+                  <a:schemeClr val="tx1"/>
+                </a:solidFill>
+              </a:defRPr>
+            </a:lvl1pPr>
+            <a:lvl2pPr marL="374904" indent="0">
+              <a:buNone/>
+              <a:defRPr sz="1640">
+                <a:solidFill>
+                  <a:schemeClr val="tx1">
+                    <a:tint val="75000"/>
+                  </a:schemeClr>
+                </a:solidFill>
+              </a:defRPr>
+            </a:lvl2pPr>
+            <a:lvl3pPr marL="749808" indent="0">
               <a:buNone/>
               <a:defRPr sz="1476">
                 <a:solidFill>
@@ -1351,30 +1374,10 @@
                   </a:schemeClr>
                 </a:solidFill>
               </a:defRPr>
-            </a:lvl1pPr>
-            <a:lvl2pPr marL="281178" indent="0">
-              <a:buNone/>
-              <a:defRPr sz="1230">
-                <a:solidFill>
-                  <a:schemeClr val="tx1">
-                    <a:tint val="75000"/>
-                  </a:schemeClr>
-                </a:solidFill>
-              </a:defRPr>
-            </a:lvl2pPr>
-            <a:lvl3pPr marL="562356" indent="0">
-              <a:buNone/>
-              <a:defRPr sz="1107">
-                <a:solidFill>
-                  <a:schemeClr val="tx1">
-                    <a:tint val="75000"/>
-                  </a:schemeClr>
-                </a:solidFill>
-              </a:defRPr>
             </a:lvl3pPr>
-            <a:lvl4pPr marL="843534" indent="0">
-              <a:buNone/>
-              <a:defRPr sz="984">
+            <a:lvl4pPr marL="1124712" indent="0">
+              <a:buNone/>
+              <a:defRPr sz="1312">
                 <a:solidFill>
                   <a:schemeClr val="tx1">
                     <a:tint val="75000"/>
@@ -1382,9 +1385,9 @@
                 </a:solidFill>
               </a:defRPr>
             </a:lvl4pPr>
-            <a:lvl5pPr marL="1124712" indent="0">
-              <a:buNone/>
-              <a:defRPr sz="984">
+            <a:lvl5pPr marL="1499616" indent="0">
+              <a:buNone/>
+              <a:defRPr sz="1312">
                 <a:solidFill>
                   <a:schemeClr val="tx1">
                     <a:tint val="75000"/>
@@ -1392,9 +1395,9 @@
                 </a:solidFill>
               </a:defRPr>
             </a:lvl5pPr>
-            <a:lvl6pPr marL="1405890" indent="0">
-              <a:buNone/>
-              <a:defRPr sz="984">
+            <a:lvl6pPr marL="1874520" indent="0">
+              <a:buNone/>
+              <a:defRPr sz="1312">
                 <a:solidFill>
                   <a:schemeClr val="tx1">
                     <a:tint val="75000"/>
@@ -1402,9 +1405,9 @@
                 </a:solidFill>
               </a:defRPr>
             </a:lvl6pPr>
-            <a:lvl7pPr marL="1687068" indent="0">
-              <a:buNone/>
-              <a:defRPr sz="984">
+            <a:lvl7pPr marL="2249424" indent="0">
+              <a:buNone/>
+              <a:defRPr sz="1312">
                 <a:solidFill>
                   <a:schemeClr val="tx1">
                     <a:tint val="75000"/>
@@ -1412,9 +1415,9 @@
                 </a:solidFill>
               </a:defRPr>
             </a:lvl7pPr>
-            <a:lvl8pPr marL="1968246" indent="0">
-              <a:buNone/>
-              <a:defRPr sz="984">
+            <a:lvl8pPr marL="2624328" indent="0">
+              <a:buNone/>
+              <a:defRPr sz="1312">
                 <a:solidFill>
                   <a:schemeClr val="tx1">
                     <a:tint val="75000"/>
@@ -1422,9 +1425,9 @@
                 </a:solidFill>
               </a:defRPr>
             </a:lvl8pPr>
-            <a:lvl9pPr marL="2249424" indent="0">
-              <a:buNone/>
-              <a:defRPr sz="984">
+            <a:lvl9pPr marL="2999232" indent="0">
+              <a:buNone/>
+              <a:defRPr sz="1312">
                 <a:solidFill>
                   <a:schemeClr val="tx1">
                     <a:tint val="75000"/>
@@ -1459,7 +1462,7 @@
           <a:p>
             <a:fld id="{D18DE065-5BB9-48CE-AC02-30F45FF4AD2D}" type="datetimeFigureOut">
               <a:rPr lang="LID4096" smtClean="0"/>
-              <a:t>11/27/2021</a:t>
+              <a:t>11/30/2021</a:t>
             </a:fld>
             <a:endParaRPr lang="LID4096"/>
           </a:p>
@@ -1510,7 +1513,7 @@
     </p:spTree>
     <p:extLst>
       <p:ext uri="{BB962C8B-B14F-4D97-AF65-F5344CB8AC3E}">
-        <p14:creationId xmlns:p14="http://schemas.microsoft.com/office/powerpoint/2010/main" val="2478215953"/>
+        <p14:creationId xmlns:p14="http://schemas.microsoft.com/office/powerpoint/2010/main" val="3875252229"/>
       </p:ext>
     </p:extLst>
   </p:cSld>
@@ -1572,8 +1575,8 @@
         </p:nvSpPr>
         <p:spPr>
           <a:xfrm>
-            <a:off x="515471" y="1143974"/>
-            <a:ext cx="3186549" cy="2726637"/>
+            <a:off x="515471" y="1582208"/>
+            <a:ext cx="3186549" cy="3771160"/>
           </a:xfrm>
         </p:spPr>
         <p:txBody>
@@ -1629,8 +1632,8 @@
         </p:nvSpPr>
         <p:spPr>
           <a:xfrm>
-            <a:off x="3795743" y="1143974"/>
-            <a:ext cx="3186549" cy="2726637"/>
+            <a:off x="3795743" y="1582208"/>
+            <a:ext cx="3186549" cy="3771160"/>
           </a:xfrm>
         </p:spPr>
         <p:txBody>
@@ -1691,7 +1694,7 @@
           <a:p>
             <a:fld id="{D18DE065-5BB9-48CE-AC02-30F45FF4AD2D}" type="datetimeFigureOut">
               <a:rPr lang="LID4096" smtClean="0"/>
-              <a:t>11/27/2021</a:t>
+              <a:t>11/30/2021</a:t>
             </a:fld>
             <a:endParaRPr lang="LID4096"/>
           </a:p>
@@ -1742,7 +1745,7 @@
     </p:spTree>
     <p:extLst>
       <p:ext uri="{BB962C8B-B14F-4D97-AF65-F5344CB8AC3E}">
-        <p14:creationId xmlns:p14="http://schemas.microsoft.com/office/powerpoint/2010/main" val="3239029620"/>
+        <p14:creationId xmlns:p14="http://schemas.microsoft.com/office/powerpoint/2010/main" val="3979507892"/>
       </p:ext>
     </p:extLst>
   </p:cSld>
@@ -1781,8 +1784,8 @@
         </p:nvSpPr>
         <p:spPr>
           <a:xfrm>
-            <a:off x="516448" y="228795"/>
-            <a:ext cx="6466821" cy="830625"/>
+            <a:off x="516448" y="316443"/>
+            <a:ext cx="6466821" cy="1148821"/>
           </a:xfrm>
         </p:spPr>
         <p:txBody>
@@ -1809,8 +1812,8 @@
         </p:nvSpPr>
         <p:spPr>
           <a:xfrm>
-            <a:off x="516448" y="1053451"/>
-            <a:ext cx="3171905" cy="516280"/>
+            <a:off x="516448" y="1457008"/>
+            <a:ext cx="3171905" cy="714057"/>
           </a:xfrm>
         </p:spPr>
         <p:txBody>
@@ -1818,39 +1821,39 @@
           <a:lstStyle>
             <a:lvl1pPr marL="0" indent="0">
               <a:buNone/>
+              <a:defRPr sz="1968" b="1"/>
+            </a:lvl1pPr>
+            <a:lvl2pPr marL="374904" indent="0">
+              <a:buNone/>
+              <a:defRPr sz="1640" b="1"/>
+            </a:lvl2pPr>
+            <a:lvl3pPr marL="749808" indent="0">
+              <a:buNone/>
               <a:defRPr sz="1476" b="1"/>
-            </a:lvl1pPr>
-            <a:lvl2pPr marL="281178" indent="0">
-              <a:buNone/>
-              <a:defRPr sz="1230" b="1"/>
-            </a:lvl2pPr>
-            <a:lvl3pPr marL="562356" indent="0">
-              <a:buNone/>
-              <a:defRPr sz="1107" b="1"/>
             </a:lvl3pPr>
-            <a:lvl4pPr marL="843534" indent="0">
-              <a:buNone/>
-              <a:defRPr sz="984" b="1"/>
+            <a:lvl4pPr marL="1124712" indent="0">
+              <a:buNone/>
+              <a:defRPr sz="1312" b="1"/>
             </a:lvl4pPr>
-            <a:lvl5pPr marL="1124712" indent="0">
-              <a:buNone/>
-              <a:defRPr sz="984" b="1"/>
+            <a:lvl5pPr marL="1499616" indent="0">
+              <a:buNone/>
+              <a:defRPr sz="1312" b="1"/>
             </a:lvl5pPr>
-            <a:lvl6pPr marL="1405890" indent="0">
-              <a:buNone/>
-              <a:defRPr sz="984" b="1"/>
+            <a:lvl6pPr marL="1874520" indent="0">
+              <a:buNone/>
+              <a:defRPr sz="1312" b="1"/>
             </a:lvl6pPr>
-            <a:lvl7pPr marL="1687068" indent="0">
-              <a:buNone/>
-              <a:defRPr sz="984" b="1"/>
+            <a:lvl7pPr marL="2249424" indent="0">
+              <a:buNone/>
+              <a:defRPr sz="1312" b="1"/>
             </a:lvl7pPr>
-            <a:lvl8pPr marL="1968246" indent="0">
-              <a:buNone/>
-              <a:defRPr sz="984" b="1"/>
+            <a:lvl8pPr marL="2624328" indent="0">
+              <a:buNone/>
+              <a:defRPr sz="1312" b="1"/>
             </a:lvl8pPr>
-            <a:lvl9pPr marL="2249424" indent="0">
-              <a:buNone/>
-              <a:defRPr sz="984" b="1"/>
+            <a:lvl9pPr marL="2999232" indent="0">
+              <a:buNone/>
+              <a:defRPr sz="1312" b="1"/>
             </a:lvl9pPr>
           </a:lstStyle>
           <a:p>
@@ -1874,8 +1877,8 @@
         </p:nvSpPr>
         <p:spPr>
           <a:xfrm>
-            <a:off x="516448" y="1569731"/>
-            <a:ext cx="3171905" cy="2308838"/>
+            <a:off x="516448" y="2171065"/>
+            <a:ext cx="3171905" cy="3193310"/>
           </a:xfrm>
         </p:spPr>
         <p:txBody>
@@ -1931,8 +1934,8 @@
         </p:nvSpPr>
         <p:spPr>
           <a:xfrm>
-            <a:off x="3795742" y="1053451"/>
-            <a:ext cx="3187526" cy="516280"/>
+            <a:off x="3795743" y="1457008"/>
+            <a:ext cx="3187526" cy="714057"/>
           </a:xfrm>
         </p:spPr>
         <p:txBody>
@@ -1940,39 +1943,39 @@
           <a:lstStyle>
             <a:lvl1pPr marL="0" indent="0">
               <a:buNone/>
+              <a:defRPr sz="1968" b="1"/>
+            </a:lvl1pPr>
+            <a:lvl2pPr marL="374904" indent="0">
+              <a:buNone/>
+              <a:defRPr sz="1640" b="1"/>
+            </a:lvl2pPr>
+            <a:lvl3pPr marL="749808" indent="0">
+              <a:buNone/>
               <a:defRPr sz="1476" b="1"/>
-            </a:lvl1pPr>
-            <a:lvl2pPr marL="281178" indent="0">
-              <a:buNone/>
-              <a:defRPr sz="1230" b="1"/>
-            </a:lvl2pPr>
-            <a:lvl3pPr marL="562356" indent="0">
-              <a:buNone/>
-              <a:defRPr sz="1107" b="1"/>
             </a:lvl3pPr>
-            <a:lvl4pPr marL="843534" indent="0">
-              <a:buNone/>
-              <a:defRPr sz="984" b="1"/>
+            <a:lvl4pPr marL="1124712" indent="0">
+              <a:buNone/>
+              <a:defRPr sz="1312" b="1"/>
             </a:lvl4pPr>
-            <a:lvl5pPr marL="1124712" indent="0">
-              <a:buNone/>
-              <a:defRPr sz="984" b="1"/>
+            <a:lvl5pPr marL="1499616" indent="0">
+              <a:buNone/>
+              <a:defRPr sz="1312" b="1"/>
             </a:lvl5pPr>
-            <a:lvl6pPr marL="1405890" indent="0">
-              <a:buNone/>
-              <a:defRPr sz="984" b="1"/>
+            <a:lvl6pPr marL="1874520" indent="0">
+              <a:buNone/>
+              <a:defRPr sz="1312" b="1"/>
             </a:lvl6pPr>
-            <a:lvl7pPr marL="1687068" indent="0">
-              <a:buNone/>
-              <a:defRPr sz="984" b="1"/>
+            <a:lvl7pPr marL="2249424" indent="0">
+              <a:buNone/>
+              <a:defRPr sz="1312" b="1"/>
             </a:lvl7pPr>
-            <a:lvl8pPr marL="1968246" indent="0">
-              <a:buNone/>
-              <a:defRPr sz="984" b="1"/>
+            <a:lvl8pPr marL="2624328" indent="0">
+              <a:buNone/>
+              <a:defRPr sz="1312" b="1"/>
             </a:lvl8pPr>
-            <a:lvl9pPr marL="2249424" indent="0">
-              <a:buNone/>
-              <a:defRPr sz="984" b="1"/>
+            <a:lvl9pPr marL="2999232" indent="0">
+              <a:buNone/>
+              <a:defRPr sz="1312" b="1"/>
             </a:lvl9pPr>
           </a:lstStyle>
           <a:p>
@@ -1996,8 +1999,8 @@
         </p:nvSpPr>
         <p:spPr>
           <a:xfrm>
-            <a:off x="3795742" y="1569731"/>
-            <a:ext cx="3187526" cy="2308838"/>
+            <a:off x="3795743" y="2171065"/>
+            <a:ext cx="3187526" cy="3193310"/>
           </a:xfrm>
         </p:spPr>
         <p:txBody>
@@ -2058,7 +2061,7 @@
           <a:p>
             <a:fld id="{D18DE065-5BB9-48CE-AC02-30F45FF4AD2D}" type="datetimeFigureOut">
               <a:rPr lang="LID4096" smtClean="0"/>
-              <a:t>11/27/2021</a:t>
+              <a:t>11/30/2021</a:t>
             </a:fld>
             <a:endParaRPr lang="LID4096"/>
           </a:p>
@@ -2109,7 +2112,7 @@
     </p:spTree>
     <p:extLst>
       <p:ext uri="{BB962C8B-B14F-4D97-AF65-F5344CB8AC3E}">
-        <p14:creationId xmlns:p14="http://schemas.microsoft.com/office/powerpoint/2010/main" val="2774645027"/>
+        <p14:creationId xmlns:p14="http://schemas.microsoft.com/office/powerpoint/2010/main" val="542962691"/>
       </p:ext>
     </p:extLst>
   </p:cSld>
@@ -2176,7 +2179,7 @@
           <a:p>
             <a:fld id="{D18DE065-5BB9-48CE-AC02-30F45FF4AD2D}" type="datetimeFigureOut">
               <a:rPr lang="LID4096" smtClean="0"/>
-              <a:t>11/27/2021</a:t>
+              <a:t>11/30/2021</a:t>
             </a:fld>
             <a:endParaRPr lang="LID4096"/>
           </a:p>
@@ -2227,7 +2230,7 @@
     </p:spTree>
     <p:extLst>
       <p:ext uri="{BB962C8B-B14F-4D97-AF65-F5344CB8AC3E}">
-        <p14:creationId xmlns:p14="http://schemas.microsoft.com/office/powerpoint/2010/main" val="4081499602"/>
+        <p14:creationId xmlns:p14="http://schemas.microsoft.com/office/powerpoint/2010/main" val="3478805883"/>
       </p:ext>
     </p:extLst>
   </p:cSld>
@@ -2271,7 +2274,7 @@
           <a:p>
             <a:fld id="{D18DE065-5BB9-48CE-AC02-30F45FF4AD2D}" type="datetimeFigureOut">
               <a:rPr lang="LID4096" smtClean="0"/>
-              <a:t>11/27/2021</a:t>
+              <a:t>11/30/2021</a:t>
             </a:fld>
             <a:endParaRPr lang="LID4096"/>
           </a:p>
@@ -2322,7 +2325,7 @@
     </p:spTree>
     <p:extLst>
       <p:ext uri="{BB962C8B-B14F-4D97-AF65-F5344CB8AC3E}">
-        <p14:creationId xmlns:p14="http://schemas.microsoft.com/office/powerpoint/2010/main" val="4284801139"/>
+        <p14:creationId xmlns:p14="http://schemas.microsoft.com/office/powerpoint/2010/main" val="2076461455"/>
       </p:ext>
     </p:extLst>
   </p:cSld>
@@ -2361,15 +2364,15 @@
         </p:nvSpPr>
         <p:spPr>
           <a:xfrm>
-            <a:off x="516448" y="286491"/>
-            <a:ext cx="2418224" cy="1002718"/>
+            <a:off x="516448" y="396240"/>
+            <a:ext cx="2418224" cy="1386840"/>
           </a:xfrm>
         </p:spPr>
         <p:txBody>
           <a:bodyPr anchor="b"/>
           <a:lstStyle>
             <a:lvl1pPr>
-              <a:defRPr sz="1968"/>
+              <a:defRPr sz="2624"/>
             </a:lvl1pPr>
           </a:lstStyle>
           <a:p>
@@ -2393,39 +2396,39 @@
         </p:nvSpPr>
         <p:spPr>
           <a:xfrm>
-            <a:off x="3187526" y="618741"/>
-            <a:ext cx="3795743" cy="3053913"/>
+            <a:off x="3187526" y="855770"/>
+            <a:ext cx="3795743" cy="4223808"/>
           </a:xfrm>
         </p:spPr>
         <p:txBody>
           <a:bodyPr/>
           <a:lstStyle>
             <a:lvl1pPr>
-              <a:defRPr sz="1968"/>
+              <a:defRPr sz="2624"/>
             </a:lvl1pPr>
             <a:lvl2pPr>
-              <a:defRPr sz="1722"/>
+              <a:defRPr sz="2296"/>
             </a:lvl2pPr>
             <a:lvl3pPr>
-              <a:defRPr sz="1476"/>
+              <a:defRPr sz="1968"/>
             </a:lvl3pPr>
             <a:lvl4pPr>
-              <a:defRPr sz="1230"/>
+              <a:defRPr sz="1640"/>
             </a:lvl4pPr>
             <a:lvl5pPr>
-              <a:defRPr sz="1230"/>
+              <a:defRPr sz="1640"/>
             </a:lvl5pPr>
             <a:lvl6pPr>
-              <a:defRPr sz="1230"/>
+              <a:defRPr sz="1640"/>
             </a:lvl6pPr>
             <a:lvl7pPr>
-              <a:defRPr sz="1230"/>
+              <a:defRPr sz="1640"/>
             </a:lvl7pPr>
             <a:lvl8pPr>
-              <a:defRPr sz="1230"/>
+              <a:defRPr sz="1640"/>
             </a:lvl8pPr>
             <a:lvl9pPr>
-              <a:defRPr sz="1230"/>
+              <a:defRPr sz="1640"/>
             </a:lvl9pPr>
           </a:lstStyle>
           <a:p>
@@ -2478,8 +2481,8 @@
         </p:nvSpPr>
         <p:spPr>
           <a:xfrm>
-            <a:off x="516448" y="1289209"/>
-            <a:ext cx="2418224" cy="2388419"/>
+            <a:off x="516448" y="1783080"/>
+            <a:ext cx="2418224" cy="3303376"/>
           </a:xfrm>
         </p:spPr>
         <p:txBody>
@@ -2487,39 +2490,39 @@
           <a:lstStyle>
             <a:lvl1pPr marL="0" indent="0">
               <a:buNone/>
+              <a:defRPr sz="1312"/>
+            </a:lvl1pPr>
+            <a:lvl2pPr marL="374904" indent="0">
+              <a:buNone/>
+              <a:defRPr sz="1148"/>
+            </a:lvl2pPr>
+            <a:lvl3pPr marL="749808" indent="0">
+              <a:buNone/>
               <a:defRPr sz="984"/>
-            </a:lvl1pPr>
-            <a:lvl2pPr marL="281178" indent="0">
-              <a:buNone/>
-              <a:defRPr sz="861"/>
-            </a:lvl2pPr>
-            <a:lvl3pPr marL="562356" indent="0">
-              <a:buNone/>
-              <a:defRPr sz="738"/>
             </a:lvl3pPr>
-            <a:lvl4pPr marL="843534" indent="0">
-              <a:buNone/>
-              <a:defRPr sz="615"/>
+            <a:lvl4pPr marL="1124712" indent="0">
+              <a:buNone/>
+              <a:defRPr sz="820"/>
             </a:lvl4pPr>
-            <a:lvl5pPr marL="1124712" indent="0">
-              <a:buNone/>
-              <a:defRPr sz="615"/>
+            <a:lvl5pPr marL="1499616" indent="0">
+              <a:buNone/>
+              <a:defRPr sz="820"/>
             </a:lvl5pPr>
-            <a:lvl6pPr marL="1405890" indent="0">
-              <a:buNone/>
-              <a:defRPr sz="615"/>
+            <a:lvl6pPr marL="1874520" indent="0">
+              <a:buNone/>
+              <a:defRPr sz="820"/>
             </a:lvl6pPr>
-            <a:lvl7pPr marL="1687068" indent="0">
-              <a:buNone/>
-              <a:defRPr sz="615"/>
+            <a:lvl7pPr marL="2249424" indent="0">
+              <a:buNone/>
+              <a:defRPr sz="820"/>
             </a:lvl7pPr>
-            <a:lvl8pPr marL="1968246" indent="0">
-              <a:buNone/>
-              <a:defRPr sz="615"/>
+            <a:lvl8pPr marL="2624328" indent="0">
+              <a:buNone/>
+              <a:defRPr sz="820"/>
             </a:lvl8pPr>
-            <a:lvl9pPr marL="2249424" indent="0">
-              <a:buNone/>
-              <a:defRPr sz="615"/>
+            <a:lvl9pPr marL="2999232" indent="0">
+              <a:buNone/>
+              <a:defRPr sz="820"/>
             </a:lvl9pPr>
           </a:lstStyle>
           <a:p>
@@ -2548,7 +2551,7 @@
           <a:p>
             <a:fld id="{D18DE065-5BB9-48CE-AC02-30F45FF4AD2D}" type="datetimeFigureOut">
               <a:rPr lang="LID4096" smtClean="0"/>
-              <a:t>11/27/2021</a:t>
+              <a:t>11/30/2021</a:t>
             </a:fld>
             <a:endParaRPr lang="LID4096"/>
           </a:p>
@@ -2599,7 +2602,7 @@
     </p:spTree>
     <p:extLst>
       <p:ext uri="{BB962C8B-B14F-4D97-AF65-F5344CB8AC3E}">
-        <p14:creationId xmlns:p14="http://schemas.microsoft.com/office/powerpoint/2010/main" val="345668956"/>
+        <p14:creationId xmlns:p14="http://schemas.microsoft.com/office/powerpoint/2010/main" val="2927196057"/>
       </p:ext>
     </p:extLst>
   </p:cSld>
@@ -2638,15 +2641,15 @@
         </p:nvSpPr>
         <p:spPr>
           <a:xfrm>
-            <a:off x="516448" y="286491"/>
-            <a:ext cx="2418224" cy="1002718"/>
+            <a:off x="516448" y="396240"/>
+            <a:ext cx="2418224" cy="1386840"/>
           </a:xfrm>
         </p:spPr>
         <p:txBody>
           <a:bodyPr anchor="b"/>
           <a:lstStyle>
             <a:lvl1pPr>
-              <a:defRPr sz="1968"/>
+              <a:defRPr sz="2624"/>
             </a:lvl1pPr>
           </a:lstStyle>
           <a:p>
@@ -2670,8 +2673,8 @@
         </p:nvSpPr>
         <p:spPr>
           <a:xfrm>
-            <a:off x="3187526" y="618741"/>
-            <a:ext cx="3795743" cy="3053913"/>
+            <a:off x="3187526" y="855770"/>
+            <a:ext cx="3795743" cy="4223808"/>
           </a:xfrm>
         </p:spPr>
         <p:txBody>
@@ -2679,39 +2682,39 @@
           <a:lstStyle>
             <a:lvl1pPr marL="0" indent="0">
               <a:buNone/>
+              <a:defRPr sz="2624"/>
+            </a:lvl1pPr>
+            <a:lvl2pPr marL="374904" indent="0">
+              <a:buNone/>
+              <a:defRPr sz="2296"/>
+            </a:lvl2pPr>
+            <a:lvl3pPr marL="749808" indent="0">
+              <a:buNone/>
               <a:defRPr sz="1968"/>
-            </a:lvl1pPr>
-            <a:lvl2pPr marL="281178" indent="0">
-              <a:buNone/>
-              <a:defRPr sz="1722"/>
-            </a:lvl2pPr>
-            <a:lvl3pPr marL="562356" indent="0">
-              <a:buNone/>
-              <a:defRPr sz="1476"/>
             </a:lvl3pPr>
-            <a:lvl4pPr marL="843534" indent="0">
-              <a:buNone/>
-              <a:defRPr sz="1230"/>
+            <a:lvl4pPr marL="1124712" indent="0">
+              <a:buNone/>
+              <a:defRPr sz="1640"/>
             </a:lvl4pPr>
-            <a:lvl5pPr marL="1124712" indent="0">
-              <a:buNone/>
-              <a:defRPr sz="1230"/>
+            <a:lvl5pPr marL="1499616" indent="0">
+              <a:buNone/>
+              <a:defRPr sz="1640"/>
             </a:lvl5pPr>
-            <a:lvl6pPr marL="1405890" indent="0">
-              <a:buNone/>
-              <a:defRPr sz="1230"/>
+            <a:lvl6pPr marL="1874520" indent="0">
+              <a:buNone/>
+              <a:defRPr sz="1640"/>
             </a:lvl6pPr>
-            <a:lvl7pPr marL="1687068" indent="0">
-              <a:buNone/>
-              <a:defRPr sz="1230"/>
+            <a:lvl7pPr marL="2249424" indent="0">
+              <a:buNone/>
+              <a:defRPr sz="1640"/>
             </a:lvl7pPr>
-            <a:lvl8pPr marL="1968246" indent="0">
-              <a:buNone/>
-              <a:defRPr sz="1230"/>
+            <a:lvl8pPr marL="2624328" indent="0">
+              <a:buNone/>
+              <a:defRPr sz="1640"/>
             </a:lvl8pPr>
-            <a:lvl9pPr marL="2249424" indent="0">
-              <a:buNone/>
-              <a:defRPr sz="1230"/>
+            <a:lvl9pPr marL="2999232" indent="0">
+              <a:buNone/>
+              <a:defRPr sz="1640"/>
             </a:lvl9pPr>
           </a:lstStyle>
           <a:p>
@@ -2735,8 +2738,8 @@
         </p:nvSpPr>
         <p:spPr>
           <a:xfrm>
-            <a:off x="516448" y="1289209"/>
-            <a:ext cx="2418224" cy="2388419"/>
+            <a:off x="516448" y="1783080"/>
+            <a:ext cx="2418224" cy="3303376"/>
           </a:xfrm>
         </p:spPr>
         <p:txBody>
@@ -2744,39 +2747,39 @@
           <a:lstStyle>
             <a:lvl1pPr marL="0" indent="0">
               <a:buNone/>
+              <a:defRPr sz="1312"/>
+            </a:lvl1pPr>
+            <a:lvl2pPr marL="374904" indent="0">
+              <a:buNone/>
+              <a:defRPr sz="1148"/>
+            </a:lvl2pPr>
+            <a:lvl3pPr marL="749808" indent="0">
+              <a:buNone/>
               <a:defRPr sz="984"/>
-            </a:lvl1pPr>
-            <a:lvl2pPr marL="281178" indent="0">
-              <a:buNone/>
-              <a:defRPr sz="861"/>
-            </a:lvl2pPr>
-            <a:lvl3pPr marL="562356" indent="0">
-              <a:buNone/>
-              <a:defRPr sz="738"/>
             </a:lvl3pPr>
-            <a:lvl4pPr marL="843534" indent="0">
-              <a:buNone/>
-              <a:defRPr sz="615"/>
+            <a:lvl4pPr marL="1124712" indent="0">
+              <a:buNone/>
+              <a:defRPr sz="820"/>
             </a:lvl4pPr>
-            <a:lvl5pPr marL="1124712" indent="0">
-              <a:buNone/>
-              <a:defRPr sz="615"/>
+            <a:lvl5pPr marL="1499616" indent="0">
+              <a:buNone/>
+              <a:defRPr sz="820"/>
             </a:lvl5pPr>
-            <a:lvl6pPr marL="1405890" indent="0">
-              <a:buNone/>
-              <a:defRPr sz="615"/>
+            <a:lvl6pPr marL="1874520" indent="0">
+              <a:buNone/>
+              <a:defRPr sz="820"/>
             </a:lvl6pPr>
-            <a:lvl7pPr marL="1687068" indent="0">
-              <a:buNone/>
-              <a:defRPr sz="615"/>
+            <a:lvl7pPr marL="2249424" indent="0">
+              <a:buNone/>
+              <a:defRPr sz="820"/>
             </a:lvl7pPr>
-            <a:lvl8pPr marL="1968246" indent="0">
-              <a:buNone/>
-              <a:defRPr sz="615"/>
+            <a:lvl8pPr marL="2624328" indent="0">
+              <a:buNone/>
+              <a:defRPr sz="820"/>
             </a:lvl8pPr>
-            <a:lvl9pPr marL="2249424" indent="0">
-              <a:buNone/>
-              <a:defRPr sz="615"/>
+            <a:lvl9pPr marL="2999232" indent="0">
+              <a:buNone/>
+              <a:defRPr sz="820"/>
             </a:lvl9pPr>
           </a:lstStyle>
           <a:p>
@@ -2805,7 +2808,7 @@
           <a:p>
             <a:fld id="{D18DE065-5BB9-48CE-AC02-30F45FF4AD2D}" type="datetimeFigureOut">
               <a:rPr lang="LID4096" smtClean="0"/>
-              <a:t>11/27/2021</a:t>
+              <a:t>11/30/2021</a:t>
             </a:fld>
             <a:endParaRPr lang="LID4096"/>
           </a:p>
@@ -2856,7 +2859,7 @@
     </p:spTree>
     <p:extLst>
       <p:ext uri="{BB962C8B-B14F-4D97-AF65-F5344CB8AC3E}">
-        <p14:creationId xmlns:p14="http://schemas.microsoft.com/office/powerpoint/2010/main" val="2257641526"/>
+        <p14:creationId xmlns:p14="http://schemas.microsoft.com/office/powerpoint/2010/main" val="109544663"/>
       </p:ext>
     </p:extLst>
   </p:cSld>
@@ -2900,8 +2903,8 @@
         </p:nvSpPr>
         <p:spPr>
           <a:xfrm>
-            <a:off x="515471" y="228795"/>
-            <a:ext cx="6466821" cy="830625"/>
+            <a:off x="515471" y="316443"/>
+            <a:ext cx="6466821" cy="1148821"/>
           </a:xfrm>
           <a:prstGeom prst="rect">
             <a:avLst/>
@@ -2933,8 +2936,8 @@
         </p:nvSpPr>
         <p:spPr>
           <a:xfrm>
-            <a:off x="515471" y="1143974"/>
-            <a:ext cx="6466821" cy="2726637"/>
+            <a:off x="515471" y="1582208"/>
+            <a:ext cx="6466821" cy="3771160"/>
           </a:xfrm>
           <a:prstGeom prst="rect">
             <a:avLst/>
@@ -2995,8 +2998,8 @@
         </p:nvSpPr>
         <p:spPr>
           <a:xfrm>
-            <a:off x="515471" y="3983019"/>
-            <a:ext cx="1686997" cy="228795"/>
+            <a:off x="515471" y="5508838"/>
+            <a:ext cx="1686997" cy="316442"/>
           </a:xfrm>
           <a:prstGeom prst="rect">
             <a:avLst/>
@@ -3006,7 +3009,7 @@
           <a:bodyPr vert="horz" lIns="91440" tIns="45720" rIns="91440" bIns="45720" rtlCol="0" anchor="ctr"/>
           <a:lstStyle>
             <a:lvl1pPr algn="l">
-              <a:defRPr sz="738">
+              <a:defRPr sz="984">
                 <a:solidFill>
                   <a:schemeClr val="tx1">
                     <a:tint val="75000"/>
@@ -3018,7 +3021,7 @@
           <a:p>
             <a:fld id="{D18DE065-5BB9-48CE-AC02-30F45FF4AD2D}" type="datetimeFigureOut">
               <a:rPr lang="LID4096" smtClean="0"/>
-              <a:t>11/27/2021</a:t>
+              <a:t>11/30/2021</a:t>
             </a:fld>
             <a:endParaRPr lang="LID4096"/>
           </a:p>
@@ -3036,8 +3039,8 @@
         </p:nvSpPr>
         <p:spPr>
           <a:xfrm>
-            <a:off x="2483634" y="3983019"/>
-            <a:ext cx="2530495" cy="228795"/>
+            <a:off x="2483634" y="5508838"/>
+            <a:ext cx="2530495" cy="316442"/>
           </a:xfrm>
           <a:prstGeom prst="rect">
             <a:avLst/>
@@ -3047,7 +3050,7 @@
           <a:bodyPr vert="horz" lIns="91440" tIns="45720" rIns="91440" bIns="45720" rtlCol="0" anchor="ctr"/>
           <a:lstStyle>
             <a:lvl1pPr algn="ctr">
-              <a:defRPr sz="738">
+              <a:defRPr sz="984">
                 <a:solidFill>
                   <a:schemeClr val="tx1">
                     <a:tint val="75000"/>
@@ -3073,8 +3076,8 @@
         </p:nvSpPr>
         <p:spPr>
           <a:xfrm>
-            <a:off x="5295295" y="3983019"/>
-            <a:ext cx="1686997" cy="228795"/>
+            <a:off x="5295295" y="5508838"/>
+            <a:ext cx="1686997" cy="316442"/>
           </a:xfrm>
           <a:prstGeom prst="rect">
             <a:avLst/>
@@ -3084,7 +3087,7 @@
           <a:bodyPr vert="horz" lIns="91440" tIns="45720" rIns="91440" bIns="45720" rtlCol="0" anchor="ctr"/>
           <a:lstStyle>
             <a:lvl1pPr algn="r">
-              <a:defRPr sz="738">
+              <a:defRPr sz="984">
                 <a:solidFill>
                   <a:schemeClr val="tx1">
                     <a:tint val="75000"/>
@@ -3105,27 +3108,27 @@
     </p:spTree>
     <p:extLst>
       <p:ext uri="{BB962C8B-B14F-4D97-AF65-F5344CB8AC3E}">
-        <p14:creationId xmlns:p14="http://schemas.microsoft.com/office/powerpoint/2010/main" val="3332536772"/>
+        <p14:creationId xmlns:p14="http://schemas.microsoft.com/office/powerpoint/2010/main" val="1969165861"/>
       </p:ext>
     </p:extLst>
   </p:cSld>
   <p:clrMap bg1="lt1" tx1="dk1" bg2="lt2" tx2="dk2" accent1="accent1" accent2="accent2" accent3="accent3" accent4="accent4" accent5="accent5" accent6="accent6" hlink="hlink" folHlink="folHlink"/>
   <p:sldLayoutIdLst>
-    <p:sldLayoutId id="2147483721" r:id="rId1"/>
-    <p:sldLayoutId id="2147483722" r:id="rId2"/>
-    <p:sldLayoutId id="2147483723" r:id="rId3"/>
-    <p:sldLayoutId id="2147483724" r:id="rId4"/>
-    <p:sldLayoutId id="2147483725" r:id="rId5"/>
-    <p:sldLayoutId id="2147483726" r:id="rId6"/>
-    <p:sldLayoutId id="2147483727" r:id="rId7"/>
-    <p:sldLayoutId id="2147483728" r:id="rId8"/>
-    <p:sldLayoutId id="2147483729" r:id="rId9"/>
-    <p:sldLayoutId id="2147483730" r:id="rId10"/>
-    <p:sldLayoutId id="2147483731" r:id="rId11"/>
+    <p:sldLayoutId id="2147483733" r:id="rId1"/>
+    <p:sldLayoutId id="2147483734" r:id="rId2"/>
+    <p:sldLayoutId id="2147483735" r:id="rId3"/>
+    <p:sldLayoutId id="2147483736" r:id="rId4"/>
+    <p:sldLayoutId id="2147483737" r:id="rId5"/>
+    <p:sldLayoutId id="2147483738" r:id="rId6"/>
+    <p:sldLayoutId id="2147483739" r:id="rId7"/>
+    <p:sldLayoutId id="2147483740" r:id="rId8"/>
+    <p:sldLayoutId id="2147483741" r:id="rId9"/>
+    <p:sldLayoutId id="2147483742" r:id="rId10"/>
+    <p:sldLayoutId id="2147483743" r:id="rId11"/>
   </p:sldLayoutIdLst>
   <p:txStyles>
     <p:titleStyle>
-      <a:lvl1pPr algn="l" defTabSz="562356" rtl="0" eaLnBrk="1" latinLnBrk="0" hangingPunct="1">
+      <a:lvl1pPr algn="l" defTabSz="749808" rtl="0" eaLnBrk="1" latinLnBrk="0" hangingPunct="1">
         <a:lnSpc>
           <a:spcPct val="90000"/>
         </a:lnSpc>
@@ -3133,7 +3136,7 @@
           <a:spcPct val="0"/>
         </a:spcBef>
         <a:buNone/>
-        <a:defRPr sz="2706" kern="1200">
+        <a:defRPr sz="3608" kern="1200">
           <a:solidFill>
             <a:schemeClr val="tx1"/>
           </a:solidFill>
@@ -3144,16 +3147,16 @@
       </a:lvl1pPr>
     </p:titleStyle>
     <p:bodyStyle>
-      <a:lvl1pPr marL="140589" indent="-140589" algn="l" defTabSz="562356" rtl="0" eaLnBrk="1" latinLnBrk="0" hangingPunct="1">
+      <a:lvl1pPr marL="187452" indent="-187452" algn="l" defTabSz="749808" rtl="0" eaLnBrk="1" latinLnBrk="0" hangingPunct="1">
         <a:lnSpc>
           <a:spcPct val="90000"/>
         </a:lnSpc>
         <a:spcBef>
-          <a:spcPts val="615"/>
+          <a:spcPts val="820"/>
         </a:spcBef>
         <a:buFont typeface="Arial" panose="020B0604020202020204" pitchFamily="34" charset="0"/>
         <a:buChar char="•"/>
-        <a:defRPr sz="1722" kern="1200">
+        <a:defRPr sz="2296" kern="1200">
           <a:solidFill>
             <a:schemeClr val="tx1"/>
           </a:solidFill>
@@ -3162,12 +3165,48 @@
           <a:cs typeface="+mn-cs"/>
         </a:defRPr>
       </a:lvl1pPr>
-      <a:lvl2pPr marL="421767" indent="-140589" algn="l" defTabSz="562356" rtl="0" eaLnBrk="1" latinLnBrk="0" hangingPunct="1">
+      <a:lvl2pPr marL="562356" indent="-187452" algn="l" defTabSz="749808" rtl="0" eaLnBrk="1" latinLnBrk="0" hangingPunct="1">
         <a:lnSpc>
           <a:spcPct val="90000"/>
         </a:lnSpc>
         <a:spcBef>
-          <a:spcPts val="308"/>
+          <a:spcPts val="410"/>
+        </a:spcBef>
+        <a:buFont typeface="Arial" panose="020B0604020202020204" pitchFamily="34" charset="0"/>
+        <a:buChar char="•"/>
+        <a:defRPr sz="1968" kern="1200">
+          <a:solidFill>
+            <a:schemeClr val="tx1"/>
+          </a:solidFill>
+          <a:latin typeface="+mn-lt"/>
+          <a:ea typeface="+mn-ea"/>
+          <a:cs typeface="+mn-cs"/>
+        </a:defRPr>
+      </a:lvl2pPr>
+      <a:lvl3pPr marL="937260" indent="-187452" algn="l" defTabSz="749808" rtl="0" eaLnBrk="1" latinLnBrk="0" hangingPunct="1">
+        <a:lnSpc>
+          <a:spcPct val="90000"/>
+        </a:lnSpc>
+        <a:spcBef>
+          <a:spcPts val="410"/>
+        </a:spcBef>
+        <a:buFont typeface="Arial" panose="020B0604020202020204" pitchFamily="34" charset="0"/>
+        <a:buChar char="•"/>
+        <a:defRPr sz="1640" kern="1200">
+          <a:solidFill>
+            <a:schemeClr val="tx1"/>
+          </a:solidFill>
+          <a:latin typeface="+mn-lt"/>
+          <a:ea typeface="+mn-ea"/>
+          <a:cs typeface="+mn-cs"/>
+        </a:defRPr>
+      </a:lvl3pPr>
+      <a:lvl4pPr marL="1312164" indent="-187452" algn="l" defTabSz="749808" rtl="0" eaLnBrk="1" latinLnBrk="0" hangingPunct="1">
+        <a:lnSpc>
+          <a:spcPct val="90000"/>
+        </a:lnSpc>
+        <a:spcBef>
+          <a:spcPts val="410"/>
         </a:spcBef>
         <a:buFont typeface="Arial" panose="020B0604020202020204" pitchFamily="34" charset="0"/>
         <a:buChar char="•"/>
@@ -3179,53 +3218,17 @@
           <a:ea typeface="+mn-ea"/>
           <a:cs typeface="+mn-cs"/>
         </a:defRPr>
-      </a:lvl2pPr>
-      <a:lvl3pPr marL="702945" indent="-140589" algn="l" defTabSz="562356" rtl="0" eaLnBrk="1" latinLnBrk="0" hangingPunct="1">
+      </a:lvl4pPr>
+      <a:lvl5pPr marL="1687068" indent="-187452" algn="l" defTabSz="749808" rtl="0" eaLnBrk="1" latinLnBrk="0" hangingPunct="1">
         <a:lnSpc>
           <a:spcPct val="90000"/>
         </a:lnSpc>
         <a:spcBef>
-          <a:spcPts val="308"/>
+          <a:spcPts val="410"/>
         </a:spcBef>
         <a:buFont typeface="Arial" panose="020B0604020202020204" pitchFamily="34" charset="0"/>
         <a:buChar char="•"/>
-        <a:defRPr sz="1230" kern="1200">
-          <a:solidFill>
-            <a:schemeClr val="tx1"/>
-          </a:solidFill>
-          <a:latin typeface="+mn-lt"/>
-          <a:ea typeface="+mn-ea"/>
-          <a:cs typeface="+mn-cs"/>
-        </a:defRPr>
-      </a:lvl3pPr>
-      <a:lvl4pPr marL="984123" indent="-140589" algn="l" defTabSz="562356" rtl="0" eaLnBrk="1" latinLnBrk="0" hangingPunct="1">
-        <a:lnSpc>
-          <a:spcPct val="90000"/>
-        </a:lnSpc>
-        <a:spcBef>
-          <a:spcPts val="308"/>
-        </a:spcBef>
-        <a:buFont typeface="Arial" panose="020B0604020202020204" pitchFamily="34" charset="0"/>
-        <a:buChar char="•"/>
-        <a:defRPr sz="1107" kern="1200">
-          <a:solidFill>
-            <a:schemeClr val="tx1"/>
-          </a:solidFill>
-          <a:latin typeface="+mn-lt"/>
-          <a:ea typeface="+mn-ea"/>
-          <a:cs typeface="+mn-cs"/>
-        </a:defRPr>
-      </a:lvl4pPr>
-      <a:lvl5pPr marL="1265301" indent="-140589" algn="l" defTabSz="562356" rtl="0" eaLnBrk="1" latinLnBrk="0" hangingPunct="1">
-        <a:lnSpc>
-          <a:spcPct val="90000"/>
-        </a:lnSpc>
-        <a:spcBef>
-          <a:spcPts val="308"/>
-        </a:spcBef>
-        <a:buFont typeface="Arial" panose="020B0604020202020204" pitchFamily="34" charset="0"/>
-        <a:buChar char="•"/>
-        <a:defRPr sz="1107" kern="1200">
+        <a:defRPr sz="1476" kern="1200">
           <a:solidFill>
             <a:schemeClr val="tx1"/>
           </a:solidFill>
@@ -3234,16 +3237,16 @@
           <a:cs typeface="+mn-cs"/>
         </a:defRPr>
       </a:lvl5pPr>
-      <a:lvl6pPr marL="1546479" indent="-140589" algn="l" defTabSz="562356" rtl="0" eaLnBrk="1" latinLnBrk="0" hangingPunct="1">
+      <a:lvl6pPr marL="2061972" indent="-187452" algn="l" defTabSz="749808" rtl="0" eaLnBrk="1" latinLnBrk="0" hangingPunct="1">
         <a:lnSpc>
           <a:spcPct val="90000"/>
         </a:lnSpc>
         <a:spcBef>
-          <a:spcPts val="308"/>
+          <a:spcPts val="410"/>
         </a:spcBef>
         <a:buFont typeface="Arial" panose="020B0604020202020204" pitchFamily="34" charset="0"/>
         <a:buChar char="•"/>
-        <a:defRPr sz="1107" kern="1200">
+        <a:defRPr sz="1476" kern="1200">
           <a:solidFill>
             <a:schemeClr val="tx1"/>
           </a:solidFill>
@@ -3252,16 +3255,16 @@
           <a:cs typeface="+mn-cs"/>
         </a:defRPr>
       </a:lvl6pPr>
-      <a:lvl7pPr marL="1827657" indent="-140589" algn="l" defTabSz="562356" rtl="0" eaLnBrk="1" latinLnBrk="0" hangingPunct="1">
+      <a:lvl7pPr marL="2436876" indent="-187452" algn="l" defTabSz="749808" rtl="0" eaLnBrk="1" latinLnBrk="0" hangingPunct="1">
         <a:lnSpc>
           <a:spcPct val="90000"/>
         </a:lnSpc>
         <a:spcBef>
-          <a:spcPts val="308"/>
+          <a:spcPts val="410"/>
         </a:spcBef>
         <a:buFont typeface="Arial" panose="020B0604020202020204" pitchFamily="34" charset="0"/>
         <a:buChar char="•"/>
-        <a:defRPr sz="1107" kern="1200">
+        <a:defRPr sz="1476" kern="1200">
           <a:solidFill>
             <a:schemeClr val="tx1"/>
           </a:solidFill>
@@ -3270,16 +3273,16 @@
           <a:cs typeface="+mn-cs"/>
         </a:defRPr>
       </a:lvl7pPr>
-      <a:lvl8pPr marL="2108835" indent="-140589" algn="l" defTabSz="562356" rtl="0" eaLnBrk="1" latinLnBrk="0" hangingPunct="1">
+      <a:lvl8pPr marL="2811780" indent="-187452" algn="l" defTabSz="749808" rtl="0" eaLnBrk="1" latinLnBrk="0" hangingPunct="1">
         <a:lnSpc>
           <a:spcPct val="90000"/>
         </a:lnSpc>
         <a:spcBef>
-          <a:spcPts val="308"/>
+          <a:spcPts val="410"/>
         </a:spcBef>
         <a:buFont typeface="Arial" panose="020B0604020202020204" pitchFamily="34" charset="0"/>
         <a:buChar char="•"/>
-        <a:defRPr sz="1107" kern="1200">
+        <a:defRPr sz="1476" kern="1200">
           <a:solidFill>
             <a:schemeClr val="tx1"/>
           </a:solidFill>
@@ -3288,16 +3291,16 @@
           <a:cs typeface="+mn-cs"/>
         </a:defRPr>
       </a:lvl8pPr>
-      <a:lvl9pPr marL="2390013" indent="-140589" algn="l" defTabSz="562356" rtl="0" eaLnBrk="1" latinLnBrk="0" hangingPunct="1">
+      <a:lvl9pPr marL="3186684" indent="-187452" algn="l" defTabSz="749808" rtl="0" eaLnBrk="1" latinLnBrk="0" hangingPunct="1">
         <a:lnSpc>
           <a:spcPct val="90000"/>
         </a:lnSpc>
         <a:spcBef>
-          <a:spcPts val="308"/>
+          <a:spcPts val="410"/>
         </a:spcBef>
         <a:buFont typeface="Arial" panose="020B0604020202020204" pitchFamily="34" charset="0"/>
         <a:buChar char="•"/>
-        <a:defRPr sz="1107" kern="1200">
+        <a:defRPr sz="1476" kern="1200">
           <a:solidFill>
             <a:schemeClr val="tx1"/>
           </a:solidFill>
@@ -3311,8 +3314,8 @@
       <a:defPPr>
         <a:defRPr lang="en-US"/>
       </a:defPPr>
-      <a:lvl1pPr marL="0" algn="l" defTabSz="562356" rtl="0" eaLnBrk="1" latinLnBrk="0" hangingPunct="1">
-        <a:defRPr sz="1107" kern="1200">
+      <a:lvl1pPr marL="0" algn="l" defTabSz="749808" rtl="0" eaLnBrk="1" latinLnBrk="0" hangingPunct="1">
+        <a:defRPr sz="1476" kern="1200">
           <a:solidFill>
             <a:schemeClr val="tx1"/>
           </a:solidFill>
@@ -3321,8 +3324,8 @@
           <a:cs typeface="+mn-cs"/>
         </a:defRPr>
       </a:lvl1pPr>
-      <a:lvl2pPr marL="281178" algn="l" defTabSz="562356" rtl="0" eaLnBrk="1" latinLnBrk="0" hangingPunct="1">
-        <a:defRPr sz="1107" kern="1200">
+      <a:lvl2pPr marL="374904" algn="l" defTabSz="749808" rtl="0" eaLnBrk="1" latinLnBrk="0" hangingPunct="1">
+        <a:defRPr sz="1476" kern="1200">
           <a:solidFill>
             <a:schemeClr val="tx1"/>
           </a:solidFill>
@@ -3331,8 +3334,8 @@
           <a:cs typeface="+mn-cs"/>
         </a:defRPr>
       </a:lvl2pPr>
-      <a:lvl3pPr marL="562356" algn="l" defTabSz="562356" rtl="0" eaLnBrk="1" latinLnBrk="0" hangingPunct="1">
-        <a:defRPr sz="1107" kern="1200">
+      <a:lvl3pPr marL="749808" algn="l" defTabSz="749808" rtl="0" eaLnBrk="1" latinLnBrk="0" hangingPunct="1">
+        <a:defRPr sz="1476" kern="1200">
           <a:solidFill>
             <a:schemeClr val="tx1"/>
           </a:solidFill>
@@ -3341,8 +3344,8 @@
           <a:cs typeface="+mn-cs"/>
         </a:defRPr>
       </a:lvl3pPr>
-      <a:lvl4pPr marL="843534" algn="l" defTabSz="562356" rtl="0" eaLnBrk="1" latinLnBrk="0" hangingPunct="1">
-        <a:defRPr sz="1107" kern="1200">
+      <a:lvl4pPr marL="1124712" algn="l" defTabSz="749808" rtl="0" eaLnBrk="1" latinLnBrk="0" hangingPunct="1">
+        <a:defRPr sz="1476" kern="1200">
           <a:solidFill>
             <a:schemeClr val="tx1"/>
           </a:solidFill>
@@ -3351,8 +3354,8 @@
           <a:cs typeface="+mn-cs"/>
         </a:defRPr>
       </a:lvl4pPr>
-      <a:lvl5pPr marL="1124712" algn="l" defTabSz="562356" rtl="0" eaLnBrk="1" latinLnBrk="0" hangingPunct="1">
-        <a:defRPr sz="1107" kern="1200">
+      <a:lvl5pPr marL="1499616" algn="l" defTabSz="749808" rtl="0" eaLnBrk="1" latinLnBrk="0" hangingPunct="1">
+        <a:defRPr sz="1476" kern="1200">
           <a:solidFill>
             <a:schemeClr val="tx1"/>
           </a:solidFill>
@@ -3361,8 +3364,8 @@
           <a:cs typeface="+mn-cs"/>
         </a:defRPr>
       </a:lvl5pPr>
-      <a:lvl6pPr marL="1405890" algn="l" defTabSz="562356" rtl="0" eaLnBrk="1" latinLnBrk="0" hangingPunct="1">
-        <a:defRPr sz="1107" kern="1200">
+      <a:lvl6pPr marL="1874520" algn="l" defTabSz="749808" rtl="0" eaLnBrk="1" latinLnBrk="0" hangingPunct="1">
+        <a:defRPr sz="1476" kern="1200">
           <a:solidFill>
             <a:schemeClr val="tx1"/>
           </a:solidFill>
@@ -3371,8 +3374,8 @@
           <a:cs typeface="+mn-cs"/>
         </a:defRPr>
       </a:lvl6pPr>
-      <a:lvl7pPr marL="1687068" algn="l" defTabSz="562356" rtl="0" eaLnBrk="1" latinLnBrk="0" hangingPunct="1">
-        <a:defRPr sz="1107" kern="1200">
+      <a:lvl7pPr marL="2249424" algn="l" defTabSz="749808" rtl="0" eaLnBrk="1" latinLnBrk="0" hangingPunct="1">
+        <a:defRPr sz="1476" kern="1200">
           <a:solidFill>
             <a:schemeClr val="tx1"/>
           </a:solidFill>
@@ -3381,8 +3384,8 @@
           <a:cs typeface="+mn-cs"/>
         </a:defRPr>
       </a:lvl7pPr>
-      <a:lvl8pPr marL="1968246" algn="l" defTabSz="562356" rtl="0" eaLnBrk="1" latinLnBrk="0" hangingPunct="1">
-        <a:defRPr sz="1107" kern="1200">
+      <a:lvl8pPr marL="2624328" algn="l" defTabSz="749808" rtl="0" eaLnBrk="1" latinLnBrk="0" hangingPunct="1">
+        <a:defRPr sz="1476" kern="1200">
           <a:solidFill>
             <a:schemeClr val="tx1"/>
           </a:solidFill>
@@ -3391,8 +3394,8 @@
           <a:cs typeface="+mn-cs"/>
         </a:defRPr>
       </a:lvl8pPr>
-      <a:lvl9pPr marL="2249424" algn="l" defTabSz="562356" rtl="0" eaLnBrk="1" latinLnBrk="0" hangingPunct="1">
-        <a:defRPr sz="1107" kern="1200">
+      <a:lvl9pPr marL="2999232" algn="l" defTabSz="749808" rtl="0" eaLnBrk="1" latinLnBrk="0" hangingPunct="1">
+        <a:defRPr sz="1476" kern="1200">
           <a:solidFill>
             <a:schemeClr val="tx1"/>
           </a:solidFill>
@@ -3439,7 +3442,7 @@
         </p:nvSpPr>
         <p:spPr bwMode="auto">
           <a:xfrm>
-            <a:off x="1639258" y="29813"/>
+            <a:off x="1639259" y="1530567"/>
             <a:ext cx="1652587" cy="646331"/>
           </a:xfrm>
           <a:prstGeom prst="rect">
@@ -3549,7 +3552,7 @@
         </p:nvCxnSpPr>
         <p:spPr>
           <a:xfrm>
-            <a:off x="2465544" y="674333"/>
+            <a:off x="2465544" y="2175086"/>
             <a:ext cx="0" cy="891540"/>
           </a:xfrm>
           <a:prstGeom prst="straightConnector1">
@@ -3582,7 +3585,7 @@
         </p:nvSpPr>
         <p:spPr bwMode="auto">
           <a:xfrm>
-            <a:off x="1642433" y="1595090"/>
+            <a:off x="1642434" y="3095844"/>
             <a:ext cx="1652587" cy="646331"/>
           </a:xfrm>
           <a:prstGeom prst="rect">
@@ -3694,7 +3697,7 @@
         </p:nvCxnSpPr>
         <p:spPr>
           <a:xfrm flipH="1">
-            <a:off x="1219041" y="2558695"/>
+            <a:off x="1219041" y="4059448"/>
             <a:ext cx="2647950" cy="13970"/>
           </a:xfrm>
           <a:prstGeom prst="straightConnector1">
@@ -3728,7 +3731,7 @@
         </p:nvCxnSpPr>
         <p:spPr>
           <a:xfrm>
-            <a:off x="1219047" y="2565687"/>
+            <a:off x="1219048" y="4066441"/>
             <a:ext cx="1" cy="440667"/>
           </a:xfrm>
           <a:prstGeom prst="straightConnector1">
@@ -3759,7 +3762,7 @@
         </p:nvCxnSpPr>
         <p:spPr>
           <a:xfrm>
-            <a:off x="3864451" y="2548858"/>
+            <a:off x="3864451" y="4049612"/>
             <a:ext cx="0" cy="457835"/>
           </a:xfrm>
           <a:prstGeom prst="straightConnector1">
@@ -3792,7 +3795,7 @@
         </p:nvSpPr>
         <p:spPr bwMode="auto">
           <a:xfrm>
-            <a:off x="658660" y="3006354"/>
+            <a:off x="658661" y="4507108"/>
             <a:ext cx="1120775" cy="276999"/>
           </a:xfrm>
           <a:prstGeom prst="rect">
@@ -3860,7 +3863,7 @@
         </p:nvSpPr>
         <p:spPr bwMode="auto">
           <a:xfrm>
-            <a:off x="3034114" y="3025727"/>
+            <a:off x="3034115" y="4526481"/>
             <a:ext cx="1652587" cy="276999"/>
           </a:xfrm>
           <a:prstGeom prst="rect">
@@ -3926,7 +3929,7 @@
         </p:nvCxnSpPr>
         <p:spPr>
           <a:xfrm>
-            <a:off x="2465553" y="1120103"/>
+            <a:off x="2465554" y="2620856"/>
             <a:ext cx="1585595" cy="0"/>
           </a:xfrm>
           <a:prstGeom prst="straightConnector1">
@@ -3959,7 +3962,7 @@
         </p:nvSpPr>
         <p:spPr bwMode="auto">
           <a:xfrm>
-            <a:off x="4051142" y="233858"/>
+            <a:off x="4051142" y="1734612"/>
             <a:ext cx="3365498" cy="1772503"/>
           </a:xfrm>
           <a:prstGeom prst="rect">
@@ -4179,7 +4182,7 @@
         </p:nvCxnSpPr>
         <p:spPr>
           <a:xfrm>
-            <a:off x="1232376" y="3288930"/>
+            <a:off x="1232376" y="4789684"/>
             <a:ext cx="0" cy="503555"/>
           </a:xfrm>
           <a:prstGeom prst="straightConnector1">
@@ -4210,7 +4213,7 @@
         </p:nvCxnSpPr>
         <p:spPr>
           <a:xfrm>
-            <a:off x="3860399" y="3302728"/>
+            <a:off x="3860399" y="4803482"/>
             <a:ext cx="0" cy="503555"/>
           </a:xfrm>
           <a:prstGeom prst="straightConnector1">
@@ -4243,7 +4246,7 @@
         </p:nvSpPr>
         <p:spPr bwMode="auto">
           <a:xfrm>
-            <a:off x="274326" y="3796586"/>
+            <a:off x="274327" y="5297340"/>
             <a:ext cx="1889437" cy="461665"/>
           </a:xfrm>
           <a:prstGeom prst="rect">
@@ -4332,7 +4335,7 @@
         </p:nvSpPr>
         <p:spPr bwMode="auto">
           <a:xfrm>
-            <a:off x="2812654" y="3796862"/>
+            <a:off x="2812654" y="5297616"/>
             <a:ext cx="2110578" cy="461665"/>
           </a:xfrm>
           <a:prstGeom prst="rect">
@@ -4421,7 +4424,7 @@
         </p:nvSpPr>
         <p:spPr bwMode="auto">
           <a:xfrm>
-            <a:off x="60805" y="-267384"/>
+            <a:off x="60806" y="555736"/>
             <a:ext cx="184731" cy="285143"/>
           </a:xfrm>
           <a:prstGeom prst="rect">
@@ -4476,117 +4479,6 @@
       </p:sp>
       <p:sp>
         <p:nvSpPr>
-          <p:cNvPr id="20" name="Rectangle 18">
-            <a:extLst>
-              <a:ext uri="{FF2B5EF4-FFF2-40B4-BE49-F238E27FC236}">
-                <a16:creationId xmlns:a16="http://schemas.microsoft.com/office/drawing/2014/main" id="{00262B2C-1985-45B1-9395-18D1EC661FAC}"/>
-              </a:ext>
-            </a:extLst>
-          </p:cNvPr>
-          <p:cNvSpPr>
-            <a:spLocks noChangeArrowheads="1"/>
-          </p:cNvSpPr>
-          <p:nvPr/>
-        </p:nvSpPr>
-        <p:spPr bwMode="auto">
-          <a:xfrm>
-            <a:off x="60805" y="-419304"/>
-            <a:ext cx="184731" cy="954107"/>
-          </a:xfrm>
-          <a:prstGeom prst="rect">
-            <a:avLst/>
-          </a:prstGeom>
-          <a:noFill/>
-          <a:ln>
-            <a:noFill/>
-          </a:ln>
-          <a:effectLst/>
-          <a:extLst>
-            <a:ext uri="{909E8E84-426E-40DD-AFC4-6F175D3DCCD1}">
-              <a14:hiddenFill xmlns:a14="http://schemas.microsoft.com/office/drawing/2010/main">
-                <a:solidFill>
-                  <a:schemeClr val="accent1"/>
-                </a:solidFill>
-              </a14:hiddenFill>
-            </a:ext>
-            <a:ext uri="{91240B29-F687-4F45-9708-019B960494DF}">
-              <a14:hiddenLine xmlns:a14="http://schemas.microsoft.com/office/drawing/2010/main" w="9525">
-                <a:solidFill>
-                  <a:schemeClr val="tx1"/>
-                </a:solidFill>
-                <a:miter lim="800000"/>
-                <a:headEnd/>
-                <a:tailEnd/>
-              </a14:hiddenLine>
-            </a:ext>
-            <a:ext uri="{AF507438-7753-43E0-B8FC-AC1667EBCBE1}">
-              <a14:hiddenEffects xmlns:a14="http://schemas.microsoft.com/office/drawing/2010/main">
-                <a:effectLst>
-                  <a:outerShdw dist="35921" dir="2700000" algn="ctr" rotWithShape="0">
-                    <a:schemeClr val="bg2"/>
-                  </a:outerShdw>
-                </a:effectLst>
-              </a14:hiddenEffects>
-            </a:ext>
-          </a:extLst>
-        </p:spPr>
-        <p:txBody>
-          <a:bodyPr vert="horz" wrap="none" lIns="91440" tIns="45720" rIns="91440" bIns="45720" numCol="1" anchor="ctr" anchorCtr="0" compatLnSpc="1">
-            <a:prstTxWarp prst="textNoShape">
-              <a:avLst/>
-            </a:prstTxWarp>
-            <a:spAutoFit/>
-          </a:bodyPr>
-          <a:lstStyle/>
-          <a:p>
-            <a:pPr defTabSz="914418" eaLnBrk="0" fontAlgn="base" hangingPunct="0">
-              <a:spcBef>
-                <a:spcPct val="0"/>
-              </a:spcBef>
-              <a:spcAft>
-                <a:spcPct val="0"/>
-              </a:spcAft>
-            </a:pPr>
-            <a:endParaRPr lang="LID4096" altLang="LID4096" sz="800">
-              <a:latin typeface="Arial" panose="020B0604020202020204" pitchFamily="34" charset="0"/>
-            </a:endParaRPr>
-          </a:p>
-          <a:p>
-            <a:pPr defTabSz="914418" eaLnBrk="0" fontAlgn="base" hangingPunct="0">
-              <a:spcBef>
-                <a:spcPct val="0"/>
-              </a:spcBef>
-              <a:spcAft>
-                <a:spcPct val="0"/>
-              </a:spcAft>
-            </a:pPr>
-            <a:br>
-              <a:rPr lang="LID4096" altLang="LID4096">
-                <a:latin typeface="Arial" panose="020B0604020202020204" pitchFamily="34" charset="0"/>
-              </a:rPr>
-            </a:br>
-            <a:endParaRPr lang="en-US" altLang="LID4096" sz="1200">
-              <a:latin typeface="Arial" panose="020B0604020202020204" pitchFamily="34" charset="0"/>
-              <a:ea typeface="Times New Roman" panose="02020603050405020304" pitchFamily="18" charset="0"/>
-            </a:endParaRPr>
-          </a:p>
-          <a:p>
-            <a:pPr defTabSz="914418" eaLnBrk="0" fontAlgn="base" hangingPunct="0">
-              <a:spcBef>
-                <a:spcPct val="0"/>
-              </a:spcBef>
-              <a:spcAft>
-                <a:spcPct val="0"/>
-              </a:spcAft>
-            </a:pPr>
-            <a:endParaRPr lang="en-US" altLang="LID4096">
-              <a:latin typeface="Arial" panose="020B0604020202020204" pitchFamily="34" charset="0"/>
-            </a:endParaRPr>
-          </a:p>
-        </p:txBody>
-      </p:sp>
-      <p:sp>
-        <p:nvSpPr>
           <p:cNvPr id="21" name="Rectangle 20">
             <a:extLst>
               <a:ext uri="{FF2B5EF4-FFF2-40B4-BE49-F238E27FC236}">
@@ -4601,7 +4493,7 @@
         </p:nvSpPr>
         <p:spPr bwMode="auto">
           <a:xfrm>
-            <a:off x="60801" y="-173083"/>
+            <a:off x="60801" y="650037"/>
             <a:ext cx="223138" cy="461665"/>
           </a:xfrm>
           <a:prstGeom prst="rect">
@@ -4687,98 +4579,6 @@
           </a:p>
         </p:txBody>
       </p:sp>
-      <p:sp>
-        <p:nvSpPr>
-          <p:cNvPr id="22" name="Rectangle 26">
-            <a:extLst>
-              <a:ext uri="{FF2B5EF4-FFF2-40B4-BE49-F238E27FC236}">
-                <a16:creationId xmlns:a16="http://schemas.microsoft.com/office/drawing/2014/main" id="{F7FB7391-B879-4EBE-A59E-AAAE9A552C75}"/>
-              </a:ext>
-            </a:extLst>
-          </p:cNvPr>
-          <p:cNvSpPr>
-            <a:spLocks noChangeArrowheads="1"/>
-          </p:cNvSpPr>
-          <p:nvPr/>
-        </p:nvSpPr>
-        <p:spPr bwMode="auto">
-          <a:xfrm>
-            <a:off x="60805" y="-188470"/>
-            <a:ext cx="184731" cy="492443"/>
-          </a:xfrm>
-          <a:prstGeom prst="rect">
-            <a:avLst/>
-          </a:prstGeom>
-          <a:noFill/>
-          <a:ln>
-            <a:noFill/>
-          </a:ln>
-          <a:effectLst/>
-          <a:extLst>
-            <a:ext uri="{909E8E84-426E-40DD-AFC4-6F175D3DCCD1}">
-              <a14:hiddenFill xmlns:a14="http://schemas.microsoft.com/office/drawing/2010/main">
-                <a:solidFill>
-                  <a:schemeClr val="accent1"/>
-                </a:solidFill>
-              </a14:hiddenFill>
-            </a:ext>
-            <a:ext uri="{91240B29-F687-4F45-9708-019B960494DF}">
-              <a14:hiddenLine xmlns:a14="http://schemas.microsoft.com/office/drawing/2010/main" w="9525">
-                <a:solidFill>
-                  <a:schemeClr val="tx1"/>
-                </a:solidFill>
-                <a:miter lim="800000"/>
-                <a:headEnd/>
-                <a:tailEnd/>
-              </a14:hiddenLine>
-            </a:ext>
-            <a:ext uri="{AF507438-7753-43E0-B8FC-AC1667EBCBE1}">
-              <a14:hiddenEffects xmlns:a14="http://schemas.microsoft.com/office/drawing/2010/main">
-                <a:effectLst>
-                  <a:outerShdw dist="35921" dir="2700000" algn="ctr" rotWithShape="0">
-                    <a:schemeClr val="bg2"/>
-                  </a:outerShdw>
-                </a:effectLst>
-              </a14:hiddenEffects>
-            </a:ext>
-          </a:extLst>
-        </p:spPr>
-        <p:txBody>
-          <a:bodyPr vert="horz" wrap="none" lIns="91440" tIns="45720" rIns="91440" bIns="45720" numCol="1" anchor="ctr" anchorCtr="0" compatLnSpc="1">
-            <a:prstTxWarp prst="textNoShape">
-              <a:avLst/>
-            </a:prstTxWarp>
-            <a:spAutoFit/>
-          </a:bodyPr>
-          <a:lstStyle/>
-          <a:p>
-            <a:pPr defTabSz="914418" eaLnBrk="0" fontAlgn="base" hangingPunct="0">
-              <a:spcBef>
-                <a:spcPct val="0"/>
-              </a:spcBef>
-              <a:spcAft>
-                <a:spcPct val="0"/>
-              </a:spcAft>
-            </a:pPr>
-            <a:endParaRPr lang="LID4096" altLang="LID4096" sz="800">
-              <a:latin typeface="Arial" panose="020B0604020202020204" pitchFamily="34" charset="0"/>
-            </a:endParaRPr>
-          </a:p>
-          <a:p>
-            <a:pPr defTabSz="914418" eaLnBrk="0" fontAlgn="base" hangingPunct="0">
-              <a:spcBef>
-                <a:spcPct val="0"/>
-              </a:spcBef>
-              <a:spcAft>
-                <a:spcPct val="0"/>
-              </a:spcAft>
-            </a:pPr>
-            <a:endParaRPr lang="LID4096" altLang="LID4096">
-              <a:latin typeface="Arial" panose="020B0604020202020204" pitchFamily="34" charset="0"/>
-            </a:endParaRPr>
-          </a:p>
-        </p:txBody>
-      </p:sp>
       <p:cxnSp>
         <p:nvCxnSpPr>
           <p:cNvPr id="26" name="Straight Connector 25">
@@ -4796,7 +4596,7 @@
         </p:nvCxnSpPr>
         <p:spPr>
           <a:xfrm flipH="1">
-            <a:off x="2465551" y="2241415"/>
+            <a:off x="2465552" y="3742168"/>
             <a:ext cx="3177" cy="324266"/>
           </a:xfrm>
           <a:prstGeom prst="line">
